--- a/Word Embedding.pptx
+++ b/Word Embedding.pptx
@@ -149,7 +149,7 @@
   </p:defaultTextStyle>
   <p:extLst>
     <p:ext uri="{EFAFB233-063F-42B5-8137-9DF3F51BA10A}">
-      <p15:sldGuideLst xmlns:p15="http://schemas.microsoft.com/office/powerpoint/2012/main">
+      <p15:sldGuideLst xmlns:p15="http://schemas.microsoft.com/office/powerpoint/2012/main" xmlns="">
         <p15:guide id="1" orient="horz" pos="2160">
           <p15:clr>
             <a:srgbClr val="A4A3A4"/>
@@ -1085,6 +1085,13 @@
         </dgm:presLayoutVars>
       </dgm:prSet>
       <dgm:spPr/>
+      <dgm:t>
+        <a:bodyPr/>
+        <a:lstStyle/>
+        <a:p>
+          <a:endParaRPr lang="en-US"/>
+        </a:p>
+      </dgm:t>
     </dgm:pt>
     <dgm:pt modelId="{EE5058D1-AEB4-4596-9D3C-2C0E30D912E0}" type="pres">
       <dgm:prSet presAssocID="{CCB580EC-F9DC-43BE-B10A-D827123A635B}" presName="hierRoot1" presStyleCnt="0">
@@ -1105,10 +1112,24 @@
         </dgm:presLayoutVars>
       </dgm:prSet>
       <dgm:spPr/>
+      <dgm:t>
+        <a:bodyPr/>
+        <a:lstStyle/>
+        <a:p>
+          <a:endParaRPr lang="en-US"/>
+        </a:p>
+      </dgm:t>
     </dgm:pt>
     <dgm:pt modelId="{6DC74019-DE9C-4E1D-9D9E-D57FCBDB8272}" type="pres">
       <dgm:prSet presAssocID="{CCB580EC-F9DC-43BE-B10A-D827123A635B}" presName="rootConnector1" presStyleLbl="node1" presStyleIdx="0" presStyleCnt="0"/>
       <dgm:spPr/>
+      <dgm:t>
+        <a:bodyPr/>
+        <a:lstStyle/>
+        <a:p>
+          <a:endParaRPr lang="en-US"/>
+        </a:p>
+      </dgm:t>
     </dgm:pt>
     <dgm:pt modelId="{CF75A69C-7BD4-44A1-A65D-552FBE80BFCA}" type="pres">
       <dgm:prSet presAssocID="{CCB580EC-F9DC-43BE-B10A-D827123A635B}" presName="hierChild2" presStyleCnt="0"/>
@@ -1117,6 +1138,13 @@
     <dgm:pt modelId="{31E519CC-7CBC-4410-BBD1-B0DCAB01E909}" type="pres">
       <dgm:prSet presAssocID="{14B1C21A-6E89-48FA-8202-EDAA4D82B8B0}" presName="Name37" presStyleLbl="parChTrans1D2" presStyleIdx="0" presStyleCnt="2"/>
       <dgm:spPr/>
+      <dgm:t>
+        <a:bodyPr/>
+        <a:lstStyle/>
+        <a:p>
+          <a:endParaRPr lang="en-US"/>
+        </a:p>
+      </dgm:t>
     </dgm:pt>
     <dgm:pt modelId="{49167804-88B9-43ED-905C-0D119DE15869}" type="pres">
       <dgm:prSet presAssocID="{660BB5C0-40EE-448A-B1D1-F3F8AE8471D9}" presName="hierRoot2" presStyleCnt="0">
@@ -1148,6 +1176,13 @@
     <dgm:pt modelId="{02877492-27E7-45AD-9641-A265C673DD5E}" type="pres">
       <dgm:prSet presAssocID="{660BB5C0-40EE-448A-B1D1-F3F8AE8471D9}" presName="rootConnector" presStyleLbl="node2" presStyleIdx="0" presStyleCnt="2"/>
       <dgm:spPr/>
+      <dgm:t>
+        <a:bodyPr/>
+        <a:lstStyle/>
+        <a:p>
+          <a:endParaRPr lang="en-US"/>
+        </a:p>
+      </dgm:t>
     </dgm:pt>
     <dgm:pt modelId="{700ADA94-CA4C-449B-87C6-92EC211416CB}" type="pres">
       <dgm:prSet presAssocID="{660BB5C0-40EE-448A-B1D1-F3F8AE8471D9}" presName="hierChild4" presStyleCnt="0"/>
@@ -1160,6 +1195,13 @@
     <dgm:pt modelId="{AEAF6CF2-9D6D-4B6A-A941-5F35013E4880}" type="pres">
       <dgm:prSet presAssocID="{48DD8544-3F02-4527-A872-4FAA16591AA5}" presName="Name37" presStyleLbl="parChTrans1D2" presStyleIdx="1" presStyleCnt="2"/>
       <dgm:spPr/>
+      <dgm:t>
+        <a:bodyPr/>
+        <a:lstStyle/>
+        <a:p>
+          <a:endParaRPr lang="en-US"/>
+        </a:p>
+      </dgm:t>
     </dgm:pt>
     <dgm:pt modelId="{F7259921-6851-4D6A-A2D7-28186C1ED227}" type="pres">
       <dgm:prSet presAssocID="{EE263C14-887F-4247-BBF6-1CF60817C866}" presName="hierRoot2" presStyleCnt="0">
@@ -1180,10 +1222,24 @@
         </dgm:presLayoutVars>
       </dgm:prSet>
       <dgm:spPr/>
+      <dgm:t>
+        <a:bodyPr/>
+        <a:lstStyle/>
+        <a:p>
+          <a:endParaRPr lang="en-US"/>
+        </a:p>
+      </dgm:t>
     </dgm:pt>
     <dgm:pt modelId="{942CBAC6-75AE-4F22-BBBE-93DF44D22AC4}" type="pres">
       <dgm:prSet presAssocID="{EE263C14-887F-4247-BBF6-1CF60817C866}" presName="rootConnector" presStyleLbl="node2" presStyleIdx="1" presStyleCnt="2"/>
       <dgm:spPr/>
+      <dgm:t>
+        <a:bodyPr/>
+        <a:lstStyle/>
+        <a:p>
+          <a:endParaRPr lang="en-US"/>
+        </a:p>
+      </dgm:t>
     </dgm:pt>
     <dgm:pt modelId="{AC81199A-E08D-4A40-AE3E-C36F04526A5E}" type="pres">
       <dgm:prSet presAssocID="{EE263C14-887F-4247-BBF6-1CF60817C866}" presName="hierChild4" presStyleCnt="0"/>
@@ -1200,17 +1256,17 @@
   </dgm:ptLst>
   <dgm:cxnLst>
     <dgm:cxn modelId="{EA16126C-742B-48EC-8B00-8932C31E7925}" type="presOf" srcId="{8EFA3D1A-FB56-410E-9846-71A32DF71BD1}" destId="{E0D174FC-C248-46B9-9560-60A24EAB92E7}" srcOrd="0" destOrd="0" presId="urn:microsoft.com/office/officeart/2005/8/layout/orgChart1"/>
+    <dgm:cxn modelId="{823B4F1C-0492-49A1-AF20-F148F484C344}" type="presOf" srcId="{CCB580EC-F9DC-43BE-B10A-D827123A635B}" destId="{8E001EA9-F995-4874-8CAF-210F2AE091FC}" srcOrd="0" destOrd="0" presId="urn:microsoft.com/office/officeart/2005/8/layout/orgChart1"/>
+    <dgm:cxn modelId="{8FD7E3C2-6189-47B5-B10C-06E28742D450}" srcId="{8EFA3D1A-FB56-410E-9846-71A32DF71BD1}" destId="{CCB580EC-F9DC-43BE-B10A-D827123A635B}" srcOrd="0" destOrd="0" parTransId="{8E0F398B-134F-4E9F-9D8D-F650009808A2}" sibTransId="{DDB9A6F8-3BCB-4B94-8708-3B233318C921}"/>
+    <dgm:cxn modelId="{CD750F93-4D47-4759-AF6D-B6E60C0EF43D}" type="presOf" srcId="{660BB5C0-40EE-448A-B1D1-F3F8AE8471D9}" destId="{02877492-27E7-45AD-9641-A265C673DD5E}" srcOrd="1" destOrd="0" presId="urn:microsoft.com/office/officeart/2005/8/layout/orgChart1"/>
+    <dgm:cxn modelId="{A9B0974A-7F13-493E-9564-CDCBCC4B4E3D}" type="presOf" srcId="{EE263C14-887F-4247-BBF6-1CF60817C866}" destId="{942CBAC6-75AE-4F22-BBBE-93DF44D22AC4}" srcOrd="1" destOrd="0" presId="urn:microsoft.com/office/officeart/2005/8/layout/orgChart1"/>
+    <dgm:cxn modelId="{DD5B1767-6731-4DD4-B8CD-A8732AE50B46}" srcId="{CCB580EC-F9DC-43BE-B10A-D827123A635B}" destId="{EE263C14-887F-4247-BBF6-1CF60817C866}" srcOrd="1" destOrd="0" parTransId="{48DD8544-3F02-4527-A872-4FAA16591AA5}" sibTransId="{481D1D30-8D0D-4B18-BF57-85DE058B949B}"/>
+    <dgm:cxn modelId="{827CB0C4-2E52-4975-9A10-676375478611}" type="presOf" srcId="{CCB580EC-F9DC-43BE-B10A-D827123A635B}" destId="{6DC74019-DE9C-4E1D-9D9E-D57FCBDB8272}" srcOrd="1" destOrd="0" presId="urn:microsoft.com/office/officeart/2005/8/layout/orgChart1"/>
+    <dgm:cxn modelId="{12078FDB-49FF-4C61-B9D6-138A40286159}" type="presOf" srcId="{660BB5C0-40EE-448A-B1D1-F3F8AE8471D9}" destId="{3E079145-8039-47FE-B854-FD9CE484E91F}" srcOrd="0" destOrd="0" presId="urn:microsoft.com/office/officeart/2005/8/layout/orgChart1"/>
+    <dgm:cxn modelId="{52AED16F-397B-48B5-8E60-99D8C81A5776}" type="presOf" srcId="{14B1C21A-6E89-48FA-8202-EDAA4D82B8B0}" destId="{31E519CC-7CBC-4410-BBD1-B0DCAB01E909}" srcOrd="0" destOrd="0" presId="urn:microsoft.com/office/officeart/2005/8/layout/orgChart1"/>
+    <dgm:cxn modelId="{D22D26BF-4BB9-4E36-8582-7B8D2FF5D02E}" srcId="{CCB580EC-F9DC-43BE-B10A-D827123A635B}" destId="{660BB5C0-40EE-448A-B1D1-F3F8AE8471D9}" srcOrd="0" destOrd="0" parTransId="{14B1C21A-6E89-48FA-8202-EDAA4D82B8B0}" sibTransId="{53660A87-A6D6-4718-A00C-001DC70FF82A}"/>
     <dgm:cxn modelId="{95F7D266-1500-4612-BB89-EE039FA7F01F}" type="presOf" srcId="{48DD8544-3F02-4527-A872-4FAA16591AA5}" destId="{AEAF6CF2-9D6D-4B6A-A941-5F35013E4880}" srcOrd="0" destOrd="0" presId="urn:microsoft.com/office/officeart/2005/8/layout/orgChart1"/>
-    <dgm:cxn modelId="{A9B0974A-7F13-493E-9564-CDCBCC4B4E3D}" type="presOf" srcId="{EE263C14-887F-4247-BBF6-1CF60817C866}" destId="{942CBAC6-75AE-4F22-BBBE-93DF44D22AC4}" srcOrd="1" destOrd="0" presId="urn:microsoft.com/office/officeart/2005/8/layout/orgChart1"/>
-    <dgm:cxn modelId="{827CB0C4-2E52-4975-9A10-676375478611}" type="presOf" srcId="{CCB580EC-F9DC-43BE-B10A-D827123A635B}" destId="{6DC74019-DE9C-4E1D-9D9E-D57FCBDB8272}" srcOrd="1" destOrd="0" presId="urn:microsoft.com/office/officeart/2005/8/layout/orgChart1"/>
     <dgm:cxn modelId="{6EF522DD-EC93-4575-B301-7DF7908E2F55}" type="presOf" srcId="{EE263C14-887F-4247-BBF6-1CF60817C866}" destId="{F7B15F6E-E035-4518-BD36-435B2A8D154C}" srcOrd="0" destOrd="0" presId="urn:microsoft.com/office/officeart/2005/8/layout/orgChart1"/>
-    <dgm:cxn modelId="{52AED16F-397B-48B5-8E60-99D8C81A5776}" type="presOf" srcId="{14B1C21A-6E89-48FA-8202-EDAA4D82B8B0}" destId="{31E519CC-7CBC-4410-BBD1-B0DCAB01E909}" srcOrd="0" destOrd="0" presId="urn:microsoft.com/office/officeart/2005/8/layout/orgChart1"/>
-    <dgm:cxn modelId="{CD750F93-4D47-4759-AF6D-B6E60C0EF43D}" type="presOf" srcId="{660BB5C0-40EE-448A-B1D1-F3F8AE8471D9}" destId="{02877492-27E7-45AD-9641-A265C673DD5E}" srcOrd="1" destOrd="0" presId="urn:microsoft.com/office/officeart/2005/8/layout/orgChart1"/>
-    <dgm:cxn modelId="{8FD7E3C2-6189-47B5-B10C-06E28742D450}" srcId="{8EFA3D1A-FB56-410E-9846-71A32DF71BD1}" destId="{CCB580EC-F9DC-43BE-B10A-D827123A635B}" srcOrd="0" destOrd="0" parTransId="{8E0F398B-134F-4E9F-9D8D-F650009808A2}" sibTransId="{DDB9A6F8-3BCB-4B94-8708-3B233318C921}"/>
-    <dgm:cxn modelId="{D22D26BF-4BB9-4E36-8582-7B8D2FF5D02E}" srcId="{CCB580EC-F9DC-43BE-B10A-D827123A635B}" destId="{660BB5C0-40EE-448A-B1D1-F3F8AE8471D9}" srcOrd="0" destOrd="0" parTransId="{14B1C21A-6E89-48FA-8202-EDAA4D82B8B0}" sibTransId="{53660A87-A6D6-4718-A00C-001DC70FF82A}"/>
-    <dgm:cxn modelId="{DD5B1767-6731-4DD4-B8CD-A8732AE50B46}" srcId="{CCB580EC-F9DC-43BE-B10A-D827123A635B}" destId="{EE263C14-887F-4247-BBF6-1CF60817C866}" srcOrd="1" destOrd="0" parTransId="{48DD8544-3F02-4527-A872-4FAA16591AA5}" sibTransId="{481D1D30-8D0D-4B18-BF57-85DE058B949B}"/>
-    <dgm:cxn modelId="{823B4F1C-0492-49A1-AF20-F148F484C344}" type="presOf" srcId="{CCB580EC-F9DC-43BE-B10A-D827123A635B}" destId="{8E001EA9-F995-4874-8CAF-210F2AE091FC}" srcOrd="0" destOrd="0" presId="urn:microsoft.com/office/officeart/2005/8/layout/orgChart1"/>
-    <dgm:cxn modelId="{12078FDB-49FF-4C61-B9D6-138A40286159}" type="presOf" srcId="{660BB5C0-40EE-448A-B1D1-F3F8AE8471D9}" destId="{3E079145-8039-47FE-B854-FD9CE484E91F}" srcOrd="0" destOrd="0" presId="urn:microsoft.com/office/officeart/2005/8/layout/orgChart1"/>
     <dgm:cxn modelId="{163AB651-CDC7-42BE-98F2-F78BF5E2C398}" type="presParOf" srcId="{E0D174FC-C248-46B9-9560-60A24EAB92E7}" destId="{EE5058D1-AEB4-4596-9D3C-2C0E30D912E0}" srcOrd="0" destOrd="0" presId="urn:microsoft.com/office/officeart/2005/8/layout/orgChart1"/>
     <dgm:cxn modelId="{9D2177FF-61A2-4C69-AEF8-FDD5969FF72C}" type="presParOf" srcId="{EE5058D1-AEB4-4596-9D3C-2C0E30D912E0}" destId="{8CE04C20-DF59-45FD-B5FB-247340E31ECF}" srcOrd="0" destOrd="0" presId="urn:microsoft.com/office/officeart/2005/8/layout/orgChart1"/>
     <dgm:cxn modelId="{4CD05C04-9624-497A-8A39-D26A9362827B}" type="presParOf" srcId="{8CE04C20-DF59-45FD-B5FB-247340E31ECF}" destId="{8E001EA9-F995-4874-8CAF-210F2AE091FC}" srcOrd="0" destOrd="0" presId="urn:microsoft.com/office/officeart/2005/8/layout/orgChart1"/>
@@ -1250,357 +1306,6 @@
       <dsp:cNvGrpSpPr/>
     </dsp:nvGrpSpPr>
     <dsp:grpSpPr/>
-    <dsp:sp modelId="{AEAF6CF2-9D6D-4B6A-A941-5F35013E4880}">
-      <dsp:nvSpPr>
-        <dsp:cNvPr id="0" name=""/>
-        <dsp:cNvSpPr/>
-      </dsp:nvSpPr>
-      <dsp:spPr>
-        <a:xfrm>
-          <a:off x="3935963" y="2110054"/>
-          <a:ext cx="2352050" cy="835989"/>
-        </a:xfrm>
-        <a:custGeom>
-          <a:avLst/>
-          <a:gdLst/>
-          <a:ahLst/>
-          <a:cxnLst/>
-          <a:rect l="0" t="0" r="0" b="0"/>
-          <a:pathLst>
-            <a:path>
-              <a:moveTo>
-                <a:pt x="0" y="0"/>
-              </a:moveTo>
-              <a:lnTo>
-                <a:pt x="0" y="450004"/>
-              </a:lnTo>
-              <a:lnTo>
-                <a:pt x="2352050" y="450004"/>
-              </a:lnTo>
-              <a:lnTo>
-                <a:pt x="2352050" y="835989"/>
-              </a:lnTo>
-            </a:path>
-          </a:pathLst>
-        </a:custGeom>
-        <a:noFill/>
-        <a:ln w="25400" cap="flat" cmpd="sng" algn="ctr">
-          <a:solidFill>
-            <a:schemeClr val="accent5">
-              <a:hueOff val="0"/>
-              <a:satOff val="0"/>
-              <a:lumOff val="0"/>
-              <a:alphaOff val="0"/>
-            </a:schemeClr>
-          </a:solidFill>
-          <a:prstDash val="solid"/>
-        </a:ln>
-        <a:effectLst/>
-      </dsp:spPr>
-      <dsp:style>
-        <a:lnRef idx="2">
-          <a:scrgbClr r="0" g="0" b="0"/>
-        </a:lnRef>
-        <a:fillRef idx="0">
-          <a:scrgbClr r="0" g="0" b="0"/>
-        </a:fillRef>
-        <a:effectRef idx="0">
-          <a:scrgbClr r="0" g="0" b="0"/>
-        </a:effectRef>
-        <a:fontRef idx="minor"/>
-      </dsp:style>
-    </dsp:sp>
-    <dsp:sp modelId="{31E519CC-7CBC-4410-BBD1-B0DCAB01E909}">
-      <dsp:nvSpPr>
-        <dsp:cNvPr id="0" name=""/>
-        <dsp:cNvSpPr/>
-      </dsp:nvSpPr>
-      <dsp:spPr>
-        <a:xfrm>
-          <a:off x="1839986" y="2110054"/>
-          <a:ext cx="2095976" cy="835989"/>
-        </a:xfrm>
-        <a:custGeom>
-          <a:avLst/>
-          <a:gdLst/>
-          <a:ahLst/>
-          <a:cxnLst/>
-          <a:rect l="0" t="0" r="0" b="0"/>
-          <a:pathLst>
-            <a:path>
-              <a:moveTo>
-                <a:pt x="2095976" y="0"/>
-              </a:moveTo>
-              <a:lnTo>
-                <a:pt x="2095976" y="450004"/>
-              </a:lnTo>
-              <a:lnTo>
-                <a:pt x="0" y="450004"/>
-              </a:lnTo>
-              <a:lnTo>
-                <a:pt x="0" y="835989"/>
-              </a:lnTo>
-            </a:path>
-          </a:pathLst>
-        </a:custGeom>
-        <a:noFill/>
-        <a:ln w="25400" cap="flat" cmpd="sng" algn="ctr">
-          <a:solidFill>
-            <a:schemeClr val="accent5">
-              <a:hueOff val="0"/>
-              <a:satOff val="0"/>
-              <a:lumOff val="0"/>
-              <a:alphaOff val="0"/>
-            </a:schemeClr>
-          </a:solidFill>
-          <a:prstDash val="solid"/>
-        </a:ln>
-        <a:effectLst/>
-      </dsp:spPr>
-      <dsp:style>
-        <a:lnRef idx="2">
-          <a:scrgbClr r="0" g="0" b="0"/>
-        </a:lnRef>
-        <a:fillRef idx="0">
-          <a:scrgbClr r="0" g="0" b="0"/>
-        </a:fillRef>
-        <a:effectRef idx="0">
-          <a:scrgbClr r="0" g="0" b="0"/>
-        </a:effectRef>
-        <a:fontRef idx="minor"/>
-      </dsp:style>
-    </dsp:sp>
-    <dsp:sp modelId="{8E001EA9-F995-4874-8CAF-210F2AE091FC}">
-      <dsp:nvSpPr>
-        <dsp:cNvPr id="0" name=""/>
-        <dsp:cNvSpPr/>
-      </dsp:nvSpPr>
-      <dsp:spPr>
-        <a:xfrm>
-          <a:off x="2097935" y="272027"/>
-          <a:ext cx="3676054" cy="1838027"/>
-        </a:xfrm>
-        <a:prstGeom prst="rect">
-          <a:avLst/>
-        </a:prstGeom>
-        <a:solidFill>
-          <a:schemeClr val="accent3">
-            <a:hueOff val="0"/>
-            <a:satOff val="0"/>
-            <a:lumOff val="0"/>
-            <a:alphaOff val="0"/>
-          </a:schemeClr>
-        </a:solidFill>
-        <a:ln w="25400" cap="flat" cmpd="sng" algn="ctr">
-          <a:solidFill>
-            <a:schemeClr val="lt1">
-              <a:hueOff val="0"/>
-              <a:satOff val="0"/>
-              <a:lumOff val="0"/>
-              <a:alphaOff val="0"/>
-            </a:schemeClr>
-          </a:solidFill>
-          <a:prstDash val="solid"/>
-        </a:ln>
-        <a:effectLst/>
-      </dsp:spPr>
-      <dsp:style>
-        <a:lnRef idx="2">
-          <a:scrgbClr r="0" g="0" b="0"/>
-        </a:lnRef>
-        <a:fillRef idx="1">
-          <a:scrgbClr r="0" g="0" b="0"/>
-        </a:fillRef>
-        <a:effectRef idx="0">
-          <a:scrgbClr r="0" g="0" b="0"/>
-        </a:effectRef>
-        <a:fontRef idx="minor">
-          <a:schemeClr val="lt1"/>
-        </a:fontRef>
-      </dsp:style>
-      <dsp:txBody>
-        <a:bodyPr spcFirstLastPara="0" vert="horz" wrap="square" lIns="41275" tIns="41275" rIns="41275" bIns="41275" numCol="1" spcCol="1270" anchor="ctr" anchorCtr="0">
-          <a:noAutofit/>
-        </a:bodyPr>
-        <a:lstStyle/>
-        <a:p>
-          <a:pPr lvl="0" algn="ctr" defTabSz="2889250">
-            <a:lnSpc>
-              <a:spcPct val="90000"/>
-            </a:lnSpc>
-            <a:spcBef>
-              <a:spcPct val="0"/>
-            </a:spcBef>
-            <a:spcAft>
-              <a:spcPct val="35000"/>
-            </a:spcAft>
-          </a:pPr>
-          <a:r>
-            <a:rPr lang="en-US" sz="6500" kern="1200" dirty="0" smtClean="0"/>
-            <a:t>Word2Vec</a:t>
-          </a:r>
-          <a:endParaRPr lang="en-US" sz="6500" kern="1200" dirty="0"/>
-        </a:p>
-      </dsp:txBody>
-      <dsp:txXfrm>
-        <a:off x="2097935" y="272027"/>
-        <a:ext cx="3676054" cy="1838027"/>
-      </dsp:txXfrm>
-    </dsp:sp>
-    <dsp:sp modelId="{3E079145-8039-47FE-B854-FD9CE484E91F}">
-      <dsp:nvSpPr>
-        <dsp:cNvPr id="0" name=""/>
-        <dsp:cNvSpPr/>
-      </dsp:nvSpPr>
-      <dsp:spPr>
-        <a:xfrm>
-          <a:off x="1959" y="2946044"/>
-          <a:ext cx="3676054" cy="1045653"/>
-        </a:xfrm>
-        <a:prstGeom prst="rect">
-          <a:avLst/>
-        </a:prstGeom>
-        <a:solidFill>
-          <a:schemeClr val="accent5">
-            <a:hueOff val="0"/>
-            <a:satOff val="0"/>
-            <a:lumOff val="0"/>
-            <a:alphaOff val="0"/>
-          </a:schemeClr>
-        </a:solidFill>
-        <a:ln w="25400" cap="flat" cmpd="sng" algn="ctr">
-          <a:solidFill>
-            <a:schemeClr val="lt1">
-              <a:hueOff val="0"/>
-              <a:satOff val="0"/>
-              <a:lumOff val="0"/>
-              <a:alphaOff val="0"/>
-            </a:schemeClr>
-          </a:solidFill>
-          <a:prstDash val="solid"/>
-        </a:ln>
-        <a:effectLst/>
-      </dsp:spPr>
-      <dsp:style>
-        <a:lnRef idx="2">
-          <a:scrgbClr r="0" g="0" b="0"/>
-        </a:lnRef>
-        <a:fillRef idx="1">
-          <a:scrgbClr r="0" g="0" b="0"/>
-        </a:fillRef>
-        <a:effectRef idx="0">
-          <a:scrgbClr r="0" g="0" b="0"/>
-        </a:effectRef>
-        <a:fontRef idx="minor">
-          <a:schemeClr val="lt1"/>
-        </a:fontRef>
-      </dsp:style>
-      <dsp:txBody>
-        <a:bodyPr spcFirstLastPara="0" vert="horz" wrap="square" lIns="41275" tIns="41275" rIns="41275" bIns="41275" numCol="1" spcCol="1270" anchor="ctr" anchorCtr="0">
-          <a:noAutofit/>
-        </a:bodyPr>
-        <a:lstStyle/>
-        <a:p>
-          <a:pPr lvl="0" algn="ctr" defTabSz="2889250">
-            <a:lnSpc>
-              <a:spcPct val="90000"/>
-            </a:lnSpc>
-            <a:spcBef>
-              <a:spcPct val="0"/>
-            </a:spcBef>
-            <a:spcAft>
-              <a:spcPct val="35000"/>
-            </a:spcAft>
-          </a:pPr>
-          <a:r>
-            <a:rPr lang="en-US" sz="6500" kern="1200" dirty="0" smtClean="0"/>
-            <a:t>CBOW	</a:t>
-          </a:r>
-          <a:endParaRPr lang="en-US" sz="6500" kern="1200" dirty="0"/>
-        </a:p>
-      </dsp:txBody>
-      <dsp:txXfrm>
-        <a:off x="1959" y="2946044"/>
-        <a:ext cx="3676054" cy="1045653"/>
-      </dsp:txXfrm>
-    </dsp:sp>
-    <dsp:sp modelId="{F7B15F6E-E035-4518-BD36-435B2A8D154C}">
-      <dsp:nvSpPr>
-        <dsp:cNvPr id="0" name=""/>
-        <dsp:cNvSpPr/>
-      </dsp:nvSpPr>
-      <dsp:spPr>
-        <a:xfrm>
-          <a:off x="4449985" y="2946044"/>
-          <a:ext cx="3676054" cy="1070706"/>
-        </a:xfrm>
-        <a:prstGeom prst="rect">
-          <a:avLst/>
-        </a:prstGeom>
-        <a:solidFill>
-          <a:schemeClr val="accent5">
-            <a:hueOff val="0"/>
-            <a:satOff val="0"/>
-            <a:lumOff val="0"/>
-            <a:alphaOff val="0"/>
-          </a:schemeClr>
-        </a:solidFill>
-        <a:ln w="25400" cap="flat" cmpd="sng" algn="ctr">
-          <a:solidFill>
-            <a:schemeClr val="lt1">
-              <a:hueOff val="0"/>
-              <a:satOff val="0"/>
-              <a:lumOff val="0"/>
-              <a:alphaOff val="0"/>
-            </a:schemeClr>
-          </a:solidFill>
-          <a:prstDash val="solid"/>
-        </a:ln>
-        <a:effectLst/>
-      </dsp:spPr>
-      <dsp:style>
-        <a:lnRef idx="2">
-          <a:scrgbClr r="0" g="0" b="0"/>
-        </a:lnRef>
-        <a:fillRef idx="1">
-          <a:scrgbClr r="0" g="0" b="0"/>
-        </a:fillRef>
-        <a:effectRef idx="0">
-          <a:scrgbClr r="0" g="0" b="0"/>
-        </a:effectRef>
-        <a:fontRef idx="minor">
-          <a:schemeClr val="lt1"/>
-        </a:fontRef>
-      </dsp:style>
-      <dsp:txBody>
-        <a:bodyPr spcFirstLastPara="0" vert="horz" wrap="square" lIns="41275" tIns="41275" rIns="41275" bIns="41275" numCol="1" spcCol="1270" anchor="ctr" anchorCtr="0">
-          <a:noAutofit/>
-        </a:bodyPr>
-        <a:lstStyle/>
-        <a:p>
-          <a:pPr lvl="0" algn="ctr" defTabSz="2889250">
-            <a:lnSpc>
-              <a:spcPct val="90000"/>
-            </a:lnSpc>
-            <a:spcBef>
-              <a:spcPct val="0"/>
-            </a:spcBef>
-            <a:spcAft>
-              <a:spcPct val="35000"/>
-            </a:spcAft>
-          </a:pPr>
-          <a:r>
-            <a:rPr lang="en-US" sz="6500" kern="1200" dirty="0" smtClean="0"/>
-            <a:t>Skip Gram</a:t>
-          </a:r>
-          <a:endParaRPr lang="en-US" sz="6500" kern="1200" dirty="0"/>
-        </a:p>
-      </dsp:txBody>
-      <dsp:txXfrm>
-        <a:off x="4449985" y="2946044"/>
-        <a:ext cx="3676054" cy="1070706"/>
-      </dsp:txXfrm>
-    </dsp:sp>
   </dsp:spTree>
 </dsp:drawing>
 </file>
@@ -3979,7 +3684,7 @@
           <a:p>
             <a:fld id="{69698CA9-E377-4B7C-BDAB-6A1BCECA3ABE}" type="datetimeFigureOut">
               <a:rPr lang="en-US" smtClean="0"/>
-              <a:t>6/15/2018</a:t>
+              <a:t>24/6/2018</a:t>
             </a:fld>
             <a:endParaRPr lang="en-US"/>
           </a:p>
@@ -4144,7 +3849,7 @@
           <a:p>
             <a:fld id="{69698CA9-E377-4B7C-BDAB-6A1BCECA3ABE}" type="datetimeFigureOut">
               <a:rPr lang="en-US" smtClean="0"/>
-              <a:t>6/15/2018</a:t>
+              <a:t>24/6/2018</a:t>
             </a:fld>
             <a:endParaRPr lang="en-US"/>
           </a:p>
@@ -4319,7 +4024,7 @@
           <a:p>
             <a:fld id="{69698CA9-E377-4B7C-BDAB-6A1BCECA3ABE}" type="datetimeFigureOut">
               <a:rPr lang="en-US" smtClean="0"/>
-              <a:t>6/15/2018</a:t>
+              <a:t>24/6/2018</a:t>
             </a:fld>
             <a:endParaRPr lang="en-US"/>
           </a:p>
@@ -4484,7 +4189,7 @@
           <a:p>
             <a:fld id="{69698CA9-E377-4B7C-BDAB-6A1BCECA3ABE}" type="datetimeFigureOut">
               <a:rPr lang="en-US" smtClean="0"/>
-              <a:t>6/15/2018</a:t>
+              <a:t>24/6/2018</a:t>
             </a:fld>
             <a:endParaRPr lang="en-US"/>
           </a:p>
@@ -4725,7 +4430,7 @@
           <a:p>
             <a:fld id="{69698CA9-E377-4B7C-BDAB-6A1BCECA3ABE}" type="datetimeFigureOut">
               <a:rPr lang="en-US" smtClean="0"/>
-              <a:t>6/15/2018</a:t>
+              <a:t>24/6/2018</a:t>
             </a:fld>
             <a:endParaRPr lang="en-US"/>
           </a:p>
@@ -5008,7 +4713,7 @@
           <a:p>
             <a:fld id="{69698CA9-E377-4B7C-BDAB-6A1BCECA3ABE}" type="datetimeFigureOut">
               <a:rPr lang="en-US" smtClean="0"/>
-              <a:t>6/15/2018</a:t>
+              <a:t>24/6/2018</a:t>
             </a:fld>
             <a:endParaRPr lang="en-US"/>
           </a:p>
@@ -5437,7 +5142,7 @@
           <a:p>
             <a:fld id="{69698CA9-E377-4B7C-BDAB-6A1BCECA3ABE}" type="datetimeFigureOut">
               <a:rPr lang="en-US" smtClean="0"/>
-              <a:t>6/15/2018</a:t>
+              <a:t>24/6/2018</a:t>
             </a:fld>
             <a:endParaRPr lang="en-US"/>
           </a:p>
@@ -5550,7 +5255,7 @@
           <a:p>
             <a:fld id="{69698CA9-E377-4B7C-BDAB-6A1BCECA3ABE}" type="datetimeFigureOut">
               <a:rPr lang="en-US" smtClean="0"/>
-              <a:t>6/15/2018</a:t>
+              <a:t>24/6/2018</a:t>
             </a:fld>
             <a:endParaRPr lang="en-US"/>
           </a:p>
@@ -5640,7 +5345,7 @@
           <a:p>
             <a:fld id="{69698CA9-E377-4B7C-BDAB-6A1BCECA3ABE}" type="datetimeFigureOut">
               <a:rPr lang="en-US" smtClean="0"/>
-              <a:t>6/15/2018</a:t>
+              <a:t>24/6/2018</a:t>
             </a:fld>
             <a:endParaRPr lang="en-US"/>
           </a:p>
@@ -5829,7 +5534,7 @@
           <a:p>
             <a:fld id="{69698CA9-E377-4B7C-BDAB-6A1BCECA3ABE}" type="datetimeFigureOut">
               <a:rPr lang="en-US" smtClean="0"/>
-              <a:t>6/15/2018</a:t>
+              <a:t>24/6/2018</a:t>
             </a:fld>
             <a:endParaRPr lang="en-US"/>
           </a:p>
@@ -6147,7 +5852,7 @@
           <a:p>
             <a:fld id="{69698CA9-E377-4B7C-BDAB-6A1BCECA3ABE}" type="datetimeFigureOut">
               <a:rPr lang="en-US" smtClean="0"/>
-              <a:t>6/15/2018</a:t>
+              <a:t>24/6/2018</a:t>
             </a:fld>
             <a:endParaRPr lang="en-US"/>
           </a:p>
@@ -6526,7 +6231,7 @@
           <a:p>
             <a:fld id="{69698CA9-E377-4B7C-BDAB-6A1BCECA3ABE}" type="datetimeFigureOut">
               <a:rPr lang="en-US" smtClean="0"/>
-              <a:t>6/15/2018</a:t>
+              <a:t>24/6/2018</a:t>
             </a:fld>
             <a:endParaRPr lang="en-US"/>
           </a:p>
@@ -6895,7 +6600,7 @@
         </p:spPr>
         <p:txBody>
           <a:bodyPr>
-            <a:normAutofit lnSpcReduction="10000"/>
+            <a:normAutofit fontScale="77500" lnSpcReduction="20000"/>
           </a:bodyPr>
           <a:lstStyle/>
           <a:p>
@@ -6913,7 +6618,17 @@
           <a:p>
             <a:r>
               <a:rPr lang="en-US" dirty="0" smtClean="0"/>
-              <a:t>DATA SCIENCE, ML ENTHUSIAST</a:t>
+              <a:t>DATA SCIENCE, ML </a:t>
+            </a:r>
+            <a:r>
+              <a:rPr lang="en-US" dirty="0" smtClean="0"/>
+              <a:t>ENTHUSIAST</a:t>
+            </a:r>
+          </a:p>
+          <a:p>
+            <a:r>
+              <a:rPr lang="en-US" smtClean="0"/>
+              <a:t>naikshubham55@gmail.com</a:t>
             </a:r>
             <a:endParaRPr lang="en-US" dirty="0"/>
           </a:p>
@@ -7017,11 +6732,7 @@
           <a:p>
             <a:r>
               <a:rPr lang="en-US" dirty="0" smtClean="0"/>
-              <a:t>If </a:t>
-            </a:r>
-            <a:r>
-              <a:rPr lang="en-US" dirty="0" smtClean="0"/>
-              <a:t>the number of distinct values for a categorical feature is large then One hot encoding can create large and sparse vectors.</a:t>
+              <a:t>If the number of distinct values for a categorical feature is large then One hot encoding can create large and sparse vectors.</a:t>
             </a:r>
           </a:p>
           <a:p>
@@ -8483,21 +8194,8 @@
           <a:p>
             <a:r>
               <a:rPr lang="en-US" dirty="0" smtClean="0"/>
-              <a:t>Review 1: </a:t>
-            </a:r>
-            <a:r>
-              <a:rPr lang="en-US" dirty="0" smtClean="0"/>
-              <a:t>“This </a:t>
-            </a:r>
-            <a:r>
-              <a:rPr lang="en-US" dirty="0" smtClean="0"/>
-              <a:t>pasta is very tasty and affordable</a:t>
-            </a:r>
-            <a:r>
-              <a:rPr lang="en-US" dirty="0" smtClean="0"/>
-              <a:t>.”</a:t>
-            </a:r>
-            <a:endParaRPr lang="en-US" dirty="0" smtClean="0"/>
+              <a:t>Review 1: “This pasta is very tasty and affordable.”</a:t>
+            </a:r>
           </a:p>
           <a:p>
             <a:endParaRPr lang="en-US" dirty="0" smtClean="0"/>
@@ -8517,11 +8215,7 @@
           <a:p>
             <a:r>
               <a:rPr lang="en-US" dirty="0" smtClean="0"/>
-              <a:t>This </a:t>
-            </a:r>
-            <a:r>
-              <a:rPr lang="en-US" dirty="0" smtClean="0"/>
-              <a:t>is how we construct document vector.</a:t>
+              <a:t>This is how we construct document vector.</a:t>
             </a:r>
           </a:p>
           <a:p>
@@ -9424,7 +9118,6 @@
               <a:rPr lang="en-US" dirty="0" smtClean="0"/>
               <a:t>To obtain similarity of vectors we subtract the two vectors.</a:t>
             </a:r>
-            <a:endParaRPr lang="en-US" dirty="0" smtClean="0"/>
           </a:p>
           <a:p>
             <a:pPr marL="0" indent="0">
@@ -9432,11 +9125,7 @@
             </a:pPr>
             <a:r>
               <a:rPr lang="en-US" dirty="0" smtClean="0"/>
-              <a:t>Length(V1 </a:t>
-            </a:r>
-            <a:r>
-              <a:rPr lang="en-US" dirty="0" smtClean="0"/>
-              <a:t>– V2) =||V1 – V2||=</a:t>
+              <a:t>Length(V1 – V2) =||V1 – V2||=</a:t>
             </a:r>
             <a:r>
               <a:rPr lang="en-US" dirty="0" err="1" smtClean="0"/>
@@ -10469,15 +10158,7 @@
           <a:p>
             <a:r>
               <a:rPr lang="en-US" dirty="0" smtClean="0"/>
-              <a:t>If we have thousands of Reviews then our Document Corpus will have thousands or millions of </a:t>
-            </a:r>
-            <a:r>
-              <a:rPr lang="en-US" dirty="0" smtClean="0"/>
-              <a:t>words, and </a:t>
-            </a:r>
-            <a:r>
-              <a:rPr lang="en-US" dirty="0" smtClean="0"/>
-              <a:t>accordingly the length of our document vectors will be thousands or millions.</a:t>
+              <a:t>If we have thousands of Reviews then our Document Corpus will have thousands or millions of words, and accordingly the length of our document vectors will be thousands or millions.</a:t>
             </a:r>
           </a:p>
           <a:p>
@@ -11043,11 +10724,7 @@
           <a:p>
             <a:r>
               <a:rPr lang="en-US" dirty="0" smtClean="0"/>
-              <a:t>In Bi-grams pairs of consecutive words are considered a dimension</a:t>
-            </a:r>
-            <a:r>
-              <a:rPr lang="en-US" dirty="0" smtClean="0"/>
-              <a:t>.</a:t>
+              <a:t>In Bi-grams pairs of consecutive words are considered a dimension.</a:t>
             </a:r>
           </a:p>
           <a:p>
@@ -11103,11 +10780,7 @@
           <a:p>
             <a:r>
               <a:rPr lang="en-US" dirty="0" smtClean="0"/>
-              <a:t>This </a:t>
-            </a:r>
-            <a:r>
-              <a:rPr lang="en-US" dirty="0" smtClean="0"/>
-              <a:t>way we can maintain the semantics of the sentence.</a:t>
+              <a:t>This way we can maintain the semantics of the sentence.</a:t>
             </a:r>
             <a:endParaRPr lang="en-US" dirty="0"/>
           </a:p>
@@ -12101,11 +11774,7 @@
             </a:pPr>
             <a:r>
               <a:rPr lang="en-US" dirty="0" smtClean="0"/>
-              <a:t>R2 </a:t>
-            </a:r>
-            <a:r>
-              <a:rPr lang="en-US" dirty="0" smtClean="0"/>
-              <a:t>: w1,w3,w4,w5,w6,w2</a:t>
+              <a:t>R2 : w1,w3,w4,w5,w6,w2</a:t>
             </a:r>
           </a:p>
           <a:p>
@@ -12609,11 +12278,7 @@
           <a:p>
             <a:r>
               <a:rPr lang="en-US" dirty="0" smtClean="0"/>
-              <a:t>Term frequency is always computed for a word and a given document</a:t>
-            </a:r>
-            <a:r>
-              <a:rPr lang="en-US" dirty="0" smtClean="0"/>
-              <a:t>.</a:t>
+              <a:t>Term frequency is always computed for a word and a given document.</a:t>
             </a:r>
           </a:p>
           <a:p>
@@ -12633,11 +12298,7 @@
             </a:r>
             <a:r>
               <a:rPr lang="en-US" dirty="0" smtClean="0"/>
-              <a:t>)=     (</a:t>
-            </a:r>
-            <a:r>
-              <a:rPr lang="en-US" dirty="0" smtClean="0"/>
-              <a:t>no of times </a:t>
+              <a:t>)=     (no of times </a:t>
             </a:r>
             <a:r>
               <a:rPr lang="en-US" dirty="0" err="1" smtClean="0"/>
@@ -12645,11 +12306,7 @@
             </a:r>
             <a:r>
               <a:rPr lang="en-US" dirty="0" smtClean="0"/>
-              <a:t> occurs in document Di</a:t>
-            </a:r>
-            <a:r>
-              <a:rPr lang="en-US" dirty="0" smtClean="0"/>
-              <a:t>)</a:t>
+              <a:t> occurs in document Di)</a:t>
             </a:r>
           </a:p>
           <a:p>
@@ -12679,11 +12336,7 @@
           <a:p>
             <a:r>
               <a:rPr lang="en-US" dirty="0" smtClean="0"/>
-              <a:t>TF(W2,D1</a:t>
-            </a:r>
-            <a:r>
-              <a:rPr lang="en-US" dirty="0" smtClean="0"/>
-              <a:t>) = 2/5 = 0.4</a:t>
+              <a:t>TF(W2,D1) = 2/5 = 0.4</a:t>
             </a:r>
             <a:endParaRPr lang="en-US" dirty="0"/>
           </a:p>
@@ -13012,19 +12665,7 @@
             </a:r>
             <a:r>
               <a:rPr lang="en-US" dirty="0" smtClean="0"/>
-              <a:t> , D) = log{(no of documents in D</a:t>
-            </a:r>
-            <a:r>
-              <a:rPr lang="en-US" dirty="0" smtClean="0"/>
-              <a:t>)      </a:t>
-            </a:r>
-            <a:r>
-              <a:rPr lang="en-US" dirty="0" smtClean="0"/>
-              <a:t>			</a:t>
-            </a:r>
-            <a:r>
-              <a:rPr lang="en-US" dirty="0" smtClean="0"/>
-              <a:t> 		        		     (</a:t>
+              <a:t> , D) = log{(no of documents in D)      			 		        		     (</a:t>
             </a:r>
             <a:r>
               <a:rPr lang="en-US" dirty="0"/>
@@ -13038,7 +12679,6 @@
               <a:rPr lang="en-US" dirty="0" smtClean="0"/>
               <a:t>)}</a:t>
             </a:r>
-            <a:endParaRPr lang="en-US" dirty="0" smtClean="0"/>
           </a:p>
           <a:p>
             <a:r>
@@ -13371,11 +13011,7 @@
           <a:p>
             <a:r>
               <a:rPr lang="en-US" dirty="0" smtClean="0"/>
-              <a:t>In </a:t>
-            </a:r>
-            <a:r>
-              <a:rPr lang="en-US" dirty="0" smtClean="0"/>
-              <a:t>BOW we insert number of occurrences of Word(Wi) in Document(Di).</a:t>
+              <a:t>In BOW we insert number of occurrences of Word(Wi) in Document(Di).</a:t>
             </a:r>
             <a:endParaRPr lang="en-US" dirty="0"/>
           </a:p>
@@ -15784,11 +15420,7 @@
           <a:p>
             <a:r>
               <a:rPr lang="en-US" dirty="0" smtClean="0"/>
-              <a:t>Vector </a:t>
-            </a:r>
-            <a:r>
-              <a:rPr lang="en-US" dirty="0" smtClean="0"/>
-              <a:t>can be chosen to be 50,100,200,300 dimensional.</a:t>
+              <a:t>Vector can be chosen to be 50,100,200,300 dimensional.</a:t>
             </a:r>
           </a:p>
           <a:p>
@@ -16556,6 +16188,11 @@
               <a:rPr lang="en-US" dirty="0" smtClean="0"/>
               <a:t>Consider below dataset, we need to create a model to predict the heights</a:t>
             </a:r>
+          </a:p>
+          <a:p>
+            <a:endParaRPr lang="en-US" dirty="0"/>
+          </a:p>
+          <a:p>
             <a:endParaRPr lang="en-US" dirty="0" smtClean="0"/>
           </a:p>
           <a:p>
@@ -16565,25 +16202,15 @@
             <a:endParaRPr lang="en-US" dirty="0" smtClean="0"/>
           </a:p>
           <a:p>
-            <a:endParaRPr lang="en-US" dirty="0"/>
-          </a:p>
-          <a:p>
             <a:endParaRPr lang="en-US" dirty="0" smtClean="0"/>
           </a:p>
           <a:p>
             <a:endParaRPr lang="en-US" dirty="0" smtClean="0"/>
           </a:p>
           <a:p>
-            <a:endParaRPr lang="en-US" dirty="0" smtClean="0"/>
-          </a:p>
-          <a:p>
-            <a:r>
-              <a:rPr lang="en-US" dirty="0" smtClean="0"/>
-              <a:t>We </a:t>
-            </a:r>
-            <a:r>
-              <a:rPr lang="en-US" dirty="0" smtClean="0"/>
-              <a:t>need to convert the </a:t>
+            <a:r>
+              <a:rPr lang="en-US" dirty="0" smtClean="0"/>
+              <a:t>We need to convert the </a:t>
             </a:r>
             <a:r>
               <a:rPr lang="en-US" dirty="0" err="1" smtClean="0"/>
@@ -17275,11 +16902,7 @@
           <a:p>
             <a:r>
               <a:rPr lang="en-US" dirty="0" smtClean="0"/>
-              <a:t>Option 2: One hot encoding ,which is a better strategy</a:t>
-            </a:r>
-            <a:r>
-              <a:rPr lang="en-US" dirty="0" smtClean="0"/>
-              <a:t>.</a:t>
+              <a:t>Option 2: One hot encoding ,which is a better strategy.</a:t>
             </a:r>
           </a:p>
           <a:p>
@@ -17295,11 +16918,7 @@
             </a:pPr>
             <a:r>
               <a:rPr lang="en-US" dirty="0" smtClean="0"/>
-              <a:t>One hot encoding </a:t>
-            </a:r>
-            <a:r>
-              <a:rPr lang="en-US" dirty="0" smtClean="0"/>
-              <a:t>converts categorical features into binary vectors.</a:t>
+              <a:t>One hot encoding converts categorical features into binary vectors.</a:t>
             </a:r>
             <a:endParaRPr lang="en-US" dirty="0"/>
           </a:p>
